--- a/05 - Modulation/Amplitude Modulation - Tremolo and Ring Modulation - Copy.pptx
+++ b/05 - Modulation/Amplitude Modulation - Tremolo and Ring Modulation - Copy.pptx
@@ -186,6 +186,50 @@
     </p:ext>
   </p:extLst>
 </p:presentation>
+</file>
+
+<file path=ppt/changesInfos/changesInfo1.xml><?xml version="1.0" encoding="utf-8"?>
+<pc:chgInfo xmlns:a="http://schemas.openxmlformats.org/drawingml/2006/main" xmlns:r="http://schemas.openxmlformats.org/officeDocument/2006/relationships" xmlns:ac="http://schemas.microsoft.com/office/drawing/2013/main/command" xmlns:pc="http://schemas.microsoft.com/office/powerpoint/2013/main/command">
+  <pc:docChgLst>
+    <pc:chgData name="Joshua Reiss" userId="71f87c30-4769-4a42-a082-a6a82298c8cb" providerId="ADAL" clId="{41482ABA-1E3D-43AD-B660-129C0EB9E1DF}"/>
+    <pc:docChg chg="delSld">
+      <pc:chgData name="Joshua Reiss" userId="71f87c30-4769-4a42-a082-a6a82298c8cb" providerId="ADAL" clId="{41482ABA-1E3D-43AD-B660-129C0EB9E1DF}" dt="2025-07-03T15:32:22.993" v="0" actId="47"/>
+      <pc:docMkLst>
+        <pc:docMk/>
+      </pc:docMkLst>
+      <pc:sldChg chg="del">
+        <pc:chgData name="Joshua Reiss" userId="71f87c30-4769-4a42-a082-a6a82298c8cb" providerId="ADAL" clId="{41482ABA-1E3D-43AD-B660-129C0EB9E1DF}" dt="2025-07-03T15:32:22.993" v="0" actId="47"/>
+        <pc:sldMkLst>
+          <pc:docMk/>
+          <pc:sldMk cId="1908600673" sldId="339"/>
+        </pc:sldMkLst>
+      </pc:sldChg>
+    </pc:docChg>
+  </pc:docChgLst>
+  <pc:docChgLst>
+    <pc:chgData name="Joshua Reiss" userId="71f87c30-4769-4a42-a082-a6a82298c8cb" providerId="ADAL" clId="{0A84AEEF-F0F8-48B4-B864-6D734FB3485D}"/>
+    <pc:docChg chg="addSld modSld">
+      <pc:chgData name="Joshua Reiss" userId="71f87c30-4769-4a42-a082-a6a82298c8cb" providerId="ADAL" clId="{0A84AEEF-F0F8-48B4-B864-6D734FB3485D}" dt="2025-02-27T15:38:09.614" v="1" actId="20577"/>
+      <pc:docMkLst>
+        <pc:docMk/>
+      </pc:docMkLst>
+      <pc:sldChg chg="modSp mod">
+        <pc:chgData name="Joshua Reiss" userId="71f87c30-4769-4a42-a082-a6a82298c8cb" providerId="ADAL" clId="{0A84AEEF-F0F8-48B4-B864-6D734FB3485D}" dt="2025-02-27T15:38:09.614" v="1" actId="20577"/>
+        <pc:sldMkLst>
+          <pc:docMk/>
+          <pc:sldMk cId="0" sldId="298"/>
+        </pc:sldMkLst>
+      </pc:sldChg>
+      <pc:sldChg chg="add">
+        <pc:chgData name="Joshua Reiss" userId="71f87c30-4769-4a42-a082-a6a82298c8cb" providerId="ADAL" clId="{0A84AEEF-F0F8-48B4-B864-6D734FB3485D}" dt="2025-02-27T14:46:25.163" v="0"/>
+        <pc:sldMkLst>
+          <pc:docMk/>
+          <pc:sldMk cId="1908600673" sldId="339"/>
+        </pc:sldMkLst>
+      </pc:sldChg>
+    </pc:docChg>
+  </pc:docChgLst>
+</pc:chgInfo>
 </file>
 
 <file path=ppt/notesMasters/notesMaster1.xml><?xml version="1.0" encoding="utf-8"?>
@@ -26864,7 +26908,7 @@
                 <a:latin typeface="Times New Roman" pitchFamily="18" charset="0"/>
                 <a:cs typeface="Times New Roman" pitchFamily="18" charset="0"/>
               </a:rPr>
-              <a:t>x</a:t>
+              <a:t>y</a:t>
             </a:r>
             <a:r>
               <a:rPr lang="en-US" sz="3600" i="1" baseline="-30000" dirty="0" err="1">
